--- a/Presenetationchannel-cp.pptx
+++ b/Presenetationchannel-cp.pptx
@@ -38,6 +38,18 @@
     <p:sldId id="281" r:id="rId32"/>
     <p:sldId id="283" r:id="rId33"/>
     <p:sldId id="284" r:id="rId34"/>
+    <p:sldId id="291" r:id="rId35"/>
+    <p:sldId id="292" r:id="rId36"/>
+    <p:sldId id="293" r:id="rId37"/>
+    <p:sldId id="294" r:id="rId38"/>
+    <p:sldId id="296" r:id="rId39"/>
+    <p:sldId id="295" r:id="rId40"/>
+    <p:sldId id="297" r:id="rId41"/>
+    <p:sldId id="298" r:id="rId42"/>
+    <p:sldId id="299" r:id="rId43"/>
+    <p:sldId id="300" r:id="rId44"/>
+    <p:sldId id="301" r:id="rId45"/>
+    <p:sldId id="302" r:id="rId46"/>
   </p:sldIdLst>
   <p:sldSz cx="12192000" cy="6858000"/>
   <p:notesSz cx="6858000" cy="9144000"/>
@@ -11818,6 +11830,590 @@
 </p:sld>
 </file>
 
+<file path=ppt/slides/slide34.xml><?xml version="1.0" encoding="utf-8"?>
+<p:sld xmlns:a="http://schemas.openxmlformats.org/drawingml/2006/main" xmlns:r="http://schemas.openxmlformats.org/officeDocument/2006/relationships" xmlns:p="http://schemas.openxmlformats.org/presentationml/2006/main">
+  <p:cSld>
+    <p:spTree>
+      <p:nvGrpSpPr>
+        <p:cNvPr id="1" name=""/>
+        <p:cNvGrpSpPr/>
+        <p:nvPr/>
+      </p:nvGrpSpPr>
+      <p:grpSpPr>
+        <a:xfrm>
+          <a:off x="0" y="0"/>
+          <a:ext cx="0" cy="0"/>
+          <a:chOff x="0" y="0"/>
+          <a:chExt cx="0" cy="0"/>
+        </a:xfrm>
+      </p:grpSpPr>
+      <p:sp>
+        <p:nvSpPr>
+          <p:cNvPr id="2" name="Title 1">
+            <a:extLst>
+              <a:ext uri="{FF2B5EF4-FFF2-40B4-BE49-F238E27FC236}">
+                <a16:creationId xmlns:a16="http://schemas.microsoft.com/office/drawing/2014/main" id="{0A1897C0-4732-A1DE-7C78-D044995168E3}"/>
+              </a:ext>
+            </a:extLst>
+          </p:cNvPr>
+          <p:cNvSpPr>
+            <a:spLocks noGrp="1"/>
+          </p:cNvSpPr>
+          <p:nvPr>
+            <p:ph type="title"/>
+          </p:nvPr>
+        </p:nvSpPr>
+        <p:spPr/>
+        <p:txBody>
+          <a:bodyPr/>
+          <a:lstStyle/>
+          <a:p>
+            <a:r>
+              <a:rPr lang="en-US" dirty="0"/>
+              <a:t>SIMO In Fading Channel QPSK</a:t>
+            </a:r>
+            <a:br>
+              <a:rPr lang="en-US" dirty="0"/>
+            </a:br>
+            <a:endParaRPr lang="en-US" dirty="0"/>
+          </a:p>
+        </p:txBody>
+      </p:sp>
+      <p:pic>
+        <p:nvPicPr>
+          <p:cNvPr id="14" name="Picture 13" descr="Chart, line chart&#10;&#10;Description automatically generated">
+            <a:extLst>
+              <a:ext uri="{FF2B5EF4-FFF2-40B4-BE49-F238E27FC236}">
+                <a16:creationId xmlns:a16="http://schemas.microsoft.com/office/drawing/2014/main" id="{850250C3-5E79-5E21-E588-48119942BA75}"/>
+              </a:ext>
+            </a:extLst>
+          </p:cNvPr>
+          <p:cNvPicPr>
+            <a:picLocks noChangeAspect="1"/>
+          </p:cNvPicPr>
+          <p:nvPr/>
+        </p:nvPicPr>
+        <p:blipFill>
+          <a:blip r:embed="rId2">
+            <a:extLst>
+              <a:ext uri="{28A0092B-C50C-407E-A947-70E740481C1C}">
+                <a14:useLocalDpi xmlns:a14="http://schemas.microsoft.com/office/drawing/2010/main" val="0"/>
+              </a:ext>
+            </a:extLst>
+          </a:blip>
+          <a:stretch>
+            <a:fillRect/>
+          </a:stretch>
+        </p:blipFill>
+        <p:spPr>
+          <a:xfrm>
+            <a:off x="838200" y="1347188"/>
+            <a:ext cx="10259857" cy="4858428"/>
+          </a:xfrm>
+          <a:prstGeom prst="rect">
+            <a:avLst/>
+          </a:prstGeom>
+        </p:spPr>
+      </p:pic>
+    </p:spTree>
+    <p:extLst>
+      <p:ext uri="{BB962C8B-B14F-4D97-AF65-F5344CB8AC3E}">
+        <p14:creationId xmlns:p14="http://schemas.microsoft.com/office/powerpoint/2010/main" val="880543861"/>
+      </p:ext>
+    </p:extLst>
+  </p:cSld>
+  <p:clrMapOvr>
+    <a:masterClrMapping/>
+  </p:clrMapOvr>
+</p:sld>
+</file>
+
+<file path=ppt/slides/slide35.xml><?xml version="1.0" encoding="utf-8"?>
+<p:sld xmlns:a="http://schemas.openxmlformats.org/drawingml/2006/main" xmlns:r="http://schemas.openxmlformats.org/officeDocument/2006/relationships" xmlns:p="http://schemas.openxmlformats.org/presentationml/2006/main">
+  <p:cSld>
+    <p:spTree>
+      <p:nvGrpSpPr>
+        <p:cNvPr id="1" name=""/>
+        <p:cNvGrpSpPr/>
+        <p:nvPr/>
+      </p:nvGrpSpPr>
+      <p:grpSpPr>
+        <a:xfrm>
+          <a:off x="0" y="0"/>
+          <a:ext cx="0" cy="0"/>
+          <a:chOff x="0" y="0"/>
+          <a:chExt cx="0" cy="0"/>
+        </a:xfrm>
+      </p:grpSpPr>
+      <p:sp>
+        <p:nvSpPr>
+          <p:cNvPr id="2" name="Title 1">
+            <a:extLst>
+              <a:ext uri="{FF2B5EF4-FFF2-40B4-BE49-F238E27FC236}">
+                <a16:creationId xmlns:a16="http://schemas.microsoft.com/office/drawing/2014/main" id="{991FE124-C3A1-F92E-1C31-3625E0F28D56}"/>
+              </a:ext>
+            </a:extLst>
+          </p:cNvPr>
+          <p:cNvSpPr>
+            <a:spLocks noGrp="1"/>
+          </p:cNvSpPr>
+          <p:nvPr>
+            <p:ph type="title"/>
+          </p:nvPr>
+        </p:nvSpPr>
+        <p:spPr/>
+        <p:txBody>
+          <a:bodyPr/>
+          <a:lstStyle/>
+          <a:p>
+            <a:r>
+              <a:rPr lang="en-US" dirty="0"/>
+              <a:t>SIMO In Fading Channel 64QAM</a:t>
+            </a:r>
+            <a:br>
+              <a:rPr lang="en-US" dirty="0"/>
+            </a:br>
+            <a:endParaRPr lang="en-US" dirty="0"/>
+          </a:p>
+        </p:txBody>
+      </p:sp>
+      <p:pic>
+        <p:nvPicPr>
+          <p:cNvPr id="5" name="Content Placeholder 4" descr="Chart, line chart&#10;&#10;Description automatically generated">
+            <a:extLst>
+              <a:ext uri="{FF2B5EF4-FFF2-40B4-BE49-F238E27FC236}">
+                <a16:creationId xmlns:a16="http://schemas.microsoft.com/office/drawing/2014/main" id="{DBCA5807-0662-22B4-E79A-1F5F43159E5D}"/>
+              </a:ext>
+            </a:extLst>
+          </p:cNvPr>
+          <p:cNvPicPr>
+            <a:picLocks noGrp="1" noChangeAspect="1"/>
+          </p:cNvPicPr>
+          <p:nvPr>
+            <p:ph idx="1"/>
+          </p:nvPr>
+        </p:nvPicPr>
+        <p:blipFill>
+          <a:blip r:embed="rId2">
+            <a:extLst>
+              <a:ext uri="{28A0092B-C50C-407E-A947-70E740481C1C}">
+                <a14:useLocalDpi xmlns:a14="http://schemas.microsoft.com/office/drawing/2010/main" val="0"/>
+              </a:ext>
+            </a:extLst>
+          </a:blip>
+          <a:stretch>
+            <a:fillRect/>
+          </a:stretch>
+        </p:blipFill>
+        <p:spPr>
+          <a:xfrm>
+            <a:off x="1427817" y="1825625"/>
+            <a:ext cx="9336365" cy="4351338"/>
+          </a:xfrm>
+        </p:spPr>
+      </p:pic>
+    </p:spTree>
+    <p:extLst>
+      <p:ext uri="{BB962C8B-B14F-4D97-AF65-F5344CB8AC3E}">
+        <p14:creationId xmlns:p14="http://schemas.microsoft.com/office/powerpoint/2010/main" val="62366816"/>
+      </p:ext>
+    </p:extLst>
+  </p:cSld>
+  <p:clrMapOvr>
+    <a:masterClrMapping/>
+  </p:clrMapOvr>
+</p:sld>
+</file>
+
+<file path=ppt/slides/slide36.xml><?xml version="1.0" encoding="utf-8"?>
+<p:sld xmlns:a="http://schemas.openxmlformats.org/drawingml/2006/main" xmlns:r="http://schemas.openxmlformats.org/officeDocument/2006/relationships" xmlns:p="http://schemas.openxmlformats.org/presentationml/2006/main">
+  <p:cSld>
+    <p:spTree>
+      <p:nvGrpSpPr>
+        <p:cNvPr id="1" name=""/>
+        <p:cNvGrpSpPr/>
+        <p:nvPr/>
+      </p:nvGrpSpPr>
+      <p:grpSpPr>
+        <a:xfrm>
+          <a:off x="0" y="0"/>
+          <a:ext cx="0" cy="0"/>
+          <a:chOff x="0" y="0"/>
+          <a:chExt cx="0" cy="0"/>
+        </a:xfrm>
+      </p:grpSpPr>
+      <p:sp>
+        <p:nvSpPr>
+          <p:cNvPr id="2" name="Title 1">
+            <a:extLst>
+              <a:ext uri="{FF2B5EF4-FFF2-40B4-BE49-F238E27FC236}">
+                <a16:creationId xmlns:a16="http://schemas.microsoft.com/office/drawing/2014/main" id="{4E065985-9F2B-A73E-7E60-67689F67B300}"/>
+              </a:ext>
+            </a:extLst>
+          </p:cNvPr>
+          <p:cNvSpPr>
+            <a:spLocks noGrp="1"/>
+          </p:cNvSpPr>
+          <p:nvPr>
+            <p:ph type="title"/>
+          </p:nvPr>
+        </p:nvSpPr>
+        <p:spPr/>
+        <p:txBody>
+          <a:bodyPr/>
+          <a:lstStyle/>
+          <a:p>
+            <a:r>
+              <a:rPr lang="en-US" dirty="0"/>
+              <a:t>SIMO In Fading Channel 16QAM</a:t>
+            </a:r>
+            <a:br>
+              <a:rPr lang="en-US" dirty="0"/>
+            </a:br>
+            <a:endParaRPr lang="en-US" dirty="0"/>
+          </a:p>
+        </p:txBody>
+      </p:sp>
+      <p:pic>
+        <p:nvPicPr>
+          <p:cNvPr id="5" name="Content Placeholder 4" descr="Chart, line chart&#10;&#10;Description automatically generated">
+            <a:extLst>
+              <a:ext uri="{FF2B5EF4-FFF2-40B4-BE49-F238E27FC236}">
+                <a16:creationId xmlns:a16="http://schemas.microsoft.com/office/drawing/2014/main" id="{6CB2FDD2-D343-84DF-206A-F22EA4F33488}"/>
+              </a:ext>
+            </a:extLst>
+          </p:cNvPr>
+          <p:cNvPicPr>
+            <a:picLocks noGrp="1" noChangeAspect="1"/>
+          </p:cNvPicPr>
+          <p:nvPr>
+            <p:ph idx="1"/>
+          </p:nvPr>
+        </p:nvPicPr>
+        <p:blipFill>
+          <a:blip r:embed="rId2">
+            <a:extLst>
+              <a:ext uri="{28A0092B-C50C-407E-A947-70E740481C1C}">
+                <a14:useLocalDpi xmlns:a14="http://schemas.microsoft.com/office/drawing/2010/main" val="0"/>
+              </a:ext>
+            </a:extLst>
+          </a:blip>
+          <a:stretch>
+            <a:fillRect/>
+          </a:stretch>
+        </p:blipFill>
+        <p:spPr>
+          <a:xfrm>
+            <a:off x="1226853" y="1825625"/>
+            <a:ext cx="9738294" cy="4351338"/>
+          </a:xfrm>
+        </p:spPr>
+      </p:pic>
+    </p:spTree>
+    <p:extLst>
+      <p:ext uri="{BB962C8B-B14F-4D97-AF65-F5344CB8AC3E}">
+        <p14:creationId xmlns:p14="http://schemas.microsoft.com/office/powerpoint/2010/main" val="1900883291"/>
+      </p:ext>
+    </p:extLst>
+  </p:cSld>
+  <p:clrMapOvr>
+    <a:masterClrMapping/>
+  </p:clrMapOvr>
+</p:sld>
+</file>
+
+<file path=ppt/slides/slide37.xml><?xml version="1.0" encoding="utf-8"?>
+<p:sld xmlns:a="http://schemas.openxmlformats.org/drawingml/2006/main" xmlns:r="http://schemas.openxmlformats.org/officeDocument/2006/relationships" xmlns:p="http://schemas.openxmlformats.org/presentationml/2006/main">
+  <p:cSld>
+    <p:spTree>
+      <p:nvGrpSpPr>
+        <p:cNvPr id="1" name=""/>
+        <p:cNvGrpSpPr/>
+        <p:nvPr/>
+      </p:nvGrpSpPr>
+      <p:grpSpPr>
+        <a:xfrm>
+          <a:off x="0" y="0"/>
+          <a:ext cx="0" cy="0"/>
+          <a:chOff x="0" y="0"/>
+          <a:chExt cx="0" cy="0"/>
+        </a:xfrm>
+      </p:grpSpPr>
+      <p:sp>
+        <p:nvSpPr>
+          <p:cNvPr id="2" name="Title 1">
+            <a:extLst>
+              <a:ext uri="{FF2B5EF4-FFF2-40B4-BE49-F238E27FC236}">
+                <a16:creationId xmlns:a16="http://schemas.microsoft.com/office/drawing/2014/main" id="{0A1897C0-4732-A1DE-7C78-D044995168E3}"/>
+              </a:ext>
+            </a:extLst>
+          </p:cNvPr>
+          <p:cNvSpPr>
+            <a:spLocks noGrp="1"/>
+          </p:cNvSpPr>
+          <p:nvPr>
+            <p:ph type="title"/>
+          </p:nvPr>
+        </p:nvSpPr>
+        <p:spPr/>
+        <p:txBody>
+          <a:bodyPr/>
+          <a:lstStyle/>
+          <a:p>
+            <a:r>
+              <a:rPr lang="en-US" dirty="0"/>
+              <a:t>SISO In Fading Channel QPSK</a:t>
+            </a:r>
+            <a:br>
+              <a:rPr lang="en-US" dirty="0"/>
+            </a:br>
+            <a:endParaRPr lang="en-US" dirty="0"/>
+          </a:p>
+        </p:txBody>
+      </p:sp>
+      <p:pic>
+        <p:nvPicPr>
+          <p:cNvPr id="4" name="Picture 3" descr="Chart&#10;&#10;Description automatically generated">
+            <a:extLst>
+              <a:ext uri="{FF2B5EF4-FFF2-40B4-BE49-F238E27FC236}">
+                <a16:creationId xmlns:a16="http://schemas.microsoft.com/office/drawing/2014/main" id="{AF5268D9-6A12-F6B1-8B3A-7E31127288DF}"/>
+              </a:ext>
+            </a:extLst>
+          </p:cNvPr>
+          <p:cNvPicPr>
+            <a:picLocks noChangeAspect="1"/>
+          </p:cNvPicPr>
+          <p:nvPr/>
+        </p:nvPicPr>
+        <p:blipFill>
+          <a:blip r:embed="rId2">
+            <a:extLst>
+              <a:ext uri="{28A0092B-C50C-407E-A947-70E740481C1C}">
+                <a14:useLocalDpi xmlns:a14="http://schemas.microsoft.com/office/drawing/2010/main" val="0"/>
+              </a:ext>
+            </a:extLst>
+          </a:blip>
+          <a:stretch>
+            <a:fillRect/>
+          </a:stretch>
+        </p:blipFill>
+        <p:spPr>
+          <a:xfrm>
+            <a:off x="622122" y="1458905"/>
+            <a:ext cx="10259857" cy="4896533"/>
+          </a:xfrm>
+          <a:prstGeom prst="rect">
+            <a:avLst/>
+          </a:prstGeom>
+        </p:spPr>
+      </p:pic>
+    </p:spTree>
+    <p:extLst>
+      <p:ext uri="{BB962C8B-B14F-4D97-AF65-F5344CB8AC3E}">
+        <p14:creationId xmlns:p14="http://schemas.microsoft.com/office/powerpoint/2010/main" val="2702815616"/>
+      </p:ext>
+    </p:extLst>
+  </p:cSld>
+  <p:clrMapOvr>
+    <a:masterClrMapping/>
+  </p:clrMapOvr>
+</p:sld>
+</file>
+
+<file path=ppt/slides/slide38.xml><?xml version="1.0" encoding="utf-8"?>
+<p:sld xmlns:a="http://schemas.openxmlformats.org/drawingml/2006/main" xmlns:r="http://schemas.openxmlformats.org/officeDocument/2006/relationships" xmlns:p="http://schemas.openxmlformats.org/presentationml/2006/main">
+  <p:cSld>
+    <p:spTree>
+      <p:nvGrpSpPr>
+        <p:cNvPr id="1" name=""/>
+        <p:cNvGrpSpPr/>
+        <p:nvPr/>
+      </p:nvGrpSpPr>
+      <p:grpSpPr>
+        <a:xfrm>
+          <a:off x="0" y="0"/>
+          <a:ext cx="0" cy="0"/>
+          <a:chOff x="0" y="0"/>
+          <a:chExt cx="0" cy="0"/>
+        </a:xfrm>
+      </p:grpSpPr>
+      <p:sp>
+        <p:nvSpPr>
+          <p:cNvPr id="2" name="Title 1">
+            <a:extLst>
+              <a:ext uri="{FF2B5EF4-FFF2-40B4-BE49-F238E27FC236}">
+                <a16:creationId xmlns:a16="http://schemas.microsoft.com/office/drawing/2014/main" id="{4E065985-9F2B-A73E-7E60-67689F67B300}"/>
+              </a:ext>
+            </a:extLst>
+          </p:cNvPr>
+          <p:cNvSpPr>
+            <a:spLocks noGrp="1"/>
+          </p:cNvSpPr>
+          <p:nvPr>
+            <p:ph type="title"/>
+          </p:nvPr>
+        </p:nvSpPr>
+        <p:spPr/>
+        <p:txBody>
+          <a:bodyPr/>
+          <a:lstStyle/>
+          <a:p>
+            <a:r>
+              <a:rPr lang="en-US" dirty="0"/>
+              <a:t>SISO In Fading Channel 16QAM</a:t>
+            </a:r>
+            <a:br>
+              <a:rPr lang="en-US" dirty="0"/>
+            </a:br>
+            <a:endParaRPr lang="en-US" dirty="0"/>
+          </a:p>
+        </p:txBody>
+      </p:sp>
+      <p:pic>
+        <p:nvPicPr>
+          <p:cNvPr id="7" name="Content Placeholder 6" descr="Chart, line chart&#10;&#10;Description automatically generated">
+            <a:extLst>
+              <a:ext uri="{FF2B5EF4-FFF2-40B4-BE49-F238E27FC236}">
+                <a16:creationId xmlns:a16="http://schemas.microsoft.com/office/drawing/2014/main" id="{A0EA39DB-3A53-2DFE-C332-EA8F562F9C14}"/>
+              </a:ext>
+            </a:extLst>
+          </p:cNvPr>
+          <p:cNvPicPr>
+            <a:picLocks noGrp="1" noChangeAspect="1"/>
+          </p:cNvPicPr>
+          <p:nvPr>
+            <p:ph idx="1"/>
+          </p:nvPr>
+        </p:nvPicPr>
+        <p:blipFill>
+          <a:blip r:embed="rId2">
+            <a:extLst>
+              <a:ext uri="{28A0092B-C50C-407E-A947-70E740481C1C}">
+                <a14:useLocalDpi xmlns:a14="http://schemas.microsoft.com/office/drawing/2010/main" val="0"/>
+              </a:ext>
+            </a:extLst>
+          </a:blip>
+          <a:stretch>
+            <a:fillRect/>
+          </a:stretch>
+        </p:blipFill>
+        <p:spPr>
+          <a:xfrm>
+            <a:off x="1501499" y="1825625"/>
+            <a:ext cx="9189002" cy="4351338"/>
+          </a:xfrm>
+        </p:spPr>
+      </p:pic>
+    </p:spTree>
+    <p:extLst>
+      <p:ext uri="{BB962C8B-B14F-4D97-AF65-F5344CB8AC3E}">
+        <p14:creationId xmlns:p14="http://schemas.microsoft.com/office/powerpoint/2010/main" val="32418275"/>
+      </p:ext>
+    </p:extLst>
+  </p:cSld>
+  <p:clrMapOvr>
+    <a:masterClrMapping/>
+  </p:clrMapOvr>
+</p:sld>
+</file>
+
+<file path=ppt/slides/slide39.xml><?xml version="1.0" encoding="utf-8"?>
+<p:sld xmlns:a="http://schemas.openxmlformats.org/drawingml/2006/main" xmlns:r="http://schemas.openxmlformats.org/officeDocument/2006/relationships" xmlns:p="http://schemas.openxmlformats.org/presentationml/2006/main">
+  <p:cSld>
+    <p:spTree>
+      <p:nvGrpSpPr>
+        <p:cNvPr id="1" name=""/>
+        <p:cNvGrpSpPr/>
+        <p:nvPr/>
+      </p:nvGrpSpPr>
+      <p:grpSpPr>
+        <a:xfrm>
+          <a:off x="0" y="0"/>
+          <a:ext cx="0" cy="0"/>
+          <a:chOff x="0" y="0"/>
+          <a:chExt cx="0" cy="0"/>
+        </a:xfrm>
+      </p:grpSpPr>
+      <p:sp>
+        <p:nvSpPr>
+          <p:cNvPr id="2" name="Title 1">
+            <a:extLst>
+              <a:ext uri="{FF2B5EF4-FFF2-40B4-BE49-F238E27FC236}">
+                <a16:creationId xmlns:a16="http://schemas.microsoft.com/office/drawing/2014/main" id="{991FE124-C3A1-F92E-1C31-3625E0F28D56}"/>
+              </a:ext>
+            </a:extLst>
+          </p:cNvPr>
+          <p:cNvSpPr>
+            <a:spLocks noGrp="1"/>
+          </p:cNvSpPr>
+          <p:nvPr>
+            <p:ph type="title"/>
+          </p:nvPr>
+        </p:nvSpPr>
+        <p:spPr/>
+        <p:txBody>
+          <a:bodyPr/>
+          <a:lstStyle/>
+          <a:p>
+            <a:r>
+              <a:rPr lang="en-US" dirty="0"/>
+              <a:t>SISO In Fading Channel 64QAM</a:t>
+            </a:r>
+            <a:br>
+              <a:rPr lang="en-US" dirty="0"/>
+            </a:br>
+            <a:endParaRPr lang="en-US" dirty="0"/>
+          </a:p>
+        </p:txBody>
+      </p:sp>
+      <p:pic>
+        <p:nvPicPr>
+          <p:cNvPr id="7" name="Content Placeholder 6" descr="Chart, line chart&#10;&#10;Description automatically generated">
+            <a:extLst>
+              <a:ext uri="{FF2B5EF4-FFF2-40B4-BE49-F238E27FC236}">
+                <a16:creationId xmlns:a16="http://schemas.microsoft.com/office/drawing/2014/main" id="{AA730FEA-33FF-E303-8237-61EDD40A005C}"/>
+              </a:ext>
+            </a:extLst>
+          </p:cNvPr>
+          <p:cNvPicPr>
+            <a:picLocks noGrp="1" noChangeAspect="1"/>
+          </p:cNvPicPr>
+          <p:nvPr>
+            <p:ph idx="1"/>
+          </p:nvPr>
+        </p:nvPicPr>
+        <p:blipFill>
+          <a:blip r:embed="rId2">
+            <a:extLst>
+              <a:ext uri="{28A0092B-C50C-407E-A947-70E740481C1C}">
+                <a14:useLocalDpi xmlns:a14="http://schemas.microsoft.com/office/drawing/2010/main" val="0"/>
+              </a:ext>
+            </a:extLst>
+          </a:blip>
+          <a:stretch>
+            <a:fillRect/>
+          </a:stretch>
+        </p:blipFill>
+        <p:spPr>
+          <a:xfrm>
+            <a:off x="1071418" y="1825625"/>
+            <a:ext cx="9729999" cy="4498912"/>
+          </a:xfrm>
+        </p:spPr>
+      </p:pic>
+    </p:spTree>
+    <p:extLst>
+      <p:ext uri="{BB962C8B-B14F-4D97-AF65-F5344CB8AC3E}">
+        <p14:creationId xmlns:p14="http://schemas.microsoft.com/office/powerpoint/2010/main" val="3887334968"/>
+      </p:ext>
+    </p:extLst>
+  </p:cSld>
+  <p:clrMapOvr>
+    <a:masterClrMapping/>
+  </p:clrMapOvr>
+</p:sld>
+</file>
+
 <file path=ppt/slides/slide4.xml><?xml version="1.0" encoding="utf-8"?>
 <p:sld xmlns:a="http://schemas.openxmlformats.org/drawingml/2006/main" xmlns:r="http://schemas.openxmlformats.org/officeDocument/2006/relationships" xmlns:p="http://schemas.openxmlformats.org/presentationml/2006/main">
   <p:cSld>
@@ -11990,6 +12586,590 @@
     <p:extLst>
       <p:ext uri="{BB962C8B-B14F-4D97-AF65-F5344CB8AC3E}">
         <p14:creationId xmlns:p14="http://schemas.microsoft.com/office/powerpoint/2010/main" val="111552455"/>
+      </p:ext>
+    </p:extLst>
+  </p:cSld>
+  <p:clrMapOvr>
+    <a:masterClrMapping/>
+  </p:clrMapOvr>
+</p:sld>
+</file>
+
+<file path=ppt/slides/slide40.xml><?xml version="1.0" encoding="utf-8"?>
+<p:sld xmlns:a="http://schemas.openxmlformats.org/drawingml/2006/main" xmlns:r="http://schemas.openxmlformats.org/officeDocument/2006/relationships" xmlns:p="http://schemas.openxmlformats.org/presentationml/2006/main">
+  <p:cSld>
+    <p:spTree>
+      <p:nvGrpSpPr>
+        <p:cNvPr id="1" name=""/>
+        <p:cNvGrpSpPr/>
+        <p:nvPr/>
+      </p:nvGrpSpPr>
+      <p:grpSpPr>
+        <a:xfrm>
+          <a:off x="0" y="0"/>
+          <a:ext cx="0" cy="0"/>
+          <a:chOff x="0" y="0"/>
+          <a:chExt cx="0" cy="0"/>
+        </a:xfrm>
+      </p:grpSpPr>
+      <p:sp>
+        <p:nvSpPr>
+          <p:cNvPr id="2" name="Title 1">
+            <a:extLst>
+              <a:ext uri="{FF2B5EF4-FFF2-40B4-BE49-F238E27FC236}">
+                <a16:creationId xmlns:a16="http://schemas.microsoft.com/office/drawing/2014/main" id="{0A1897C0-4732-A1DE-7C78-D044995168E3}"/>
+              </a:ext>
+            </a:extLst>
+          </p:cNvPr>
+          <p:cNvSpPr>
+            <a:spLocks noGrp="1"/>
+          </p:cNvSpPr>
+          <p:nvPr>
+            <p:ph type="title"/>
+          </p:nvPr>
+        </p:nvSpPr>
+        <p:spPr/>
+        <p:txBody>
+          <a:bodyPr/>
+          <a:lstStyle/>
+          <a:p>
+            <a:r>
+              <a:rPr lang="en-US" dirty="0"/>
+              <a:t>SIMO In AWGN Channel QPSK</a:t>
+            </a:r>
+            <a:br>
+              <a:rPr lang="en-US" dirty="0"/>
+            </a:br>
+            <a:endParaRPr lang="en-US" dirty="0"/>
+          </a:p>
+        </p:txBody>
+      </p:sp>
+      <p:pic>
+        <p:nvPicPr>
+          <p:cNvPr id="4" name="Picture 3" descr="Graphical user interface, chart, line chart&#10;&#10;Description automatically generated">
+            <a:extLst>
+              <a:ext uri="{FF2B5EF4-FFF2-40B4-BE49-F238E27FC236}">
+                <a16:creationId xmlns:a16="http://schemas.microsoft.com/office/drawing/2014/main" id="{AECD5A3B-6B4F-3933-4BAF-BA10E4DCE6CF}"/>
+              </a:ext>
+            </a:extLst>
+          </p:cNvPr>
+          <p:cNvPicPr>
+            <a:picLocks noChangeAspect="1"/>
+          </p:cNvPicPr>
+          <p:nvPr/>
+        </p:nvPicPr>
+        <p:blipFill>
+          <a:blip r:embed="rId2">
+            <a:extLst>
+              <a:ext uri="{28A0092B-C50C-407E-A947-70E740481C1C}">
+                <a14:useLocalDpi xmlns:a14="http://schemas.microsoft.com/office/drawing/2010/main" val="0"/>
+              </a:ext>
+            </a:extLst>
+          </a:blip>
+          <a:stretch>
+            <a:fillRect/>
+          </a:stretch>
+        </p:blipFill>
+        <p:spPr>
+          <a:xfrm>
+            <a:off x="870808" y="1498719"/>
+            <a:ext cx="10450383" cy="4858428"/>
+          </a:xfrm>
+          <a:prstGeom prst="rect">
+            <a:avLst/>
+          </a:prstGeom>
+        </p:spPr>
+      </p:pic>
+    </p:spTree>
+    <p:extLst>
+      <p:ext uri="{BB962C8B-B14F-4D97-AF65-F5344CB8AC3E}">
+        <p14:creationId xmlns:p14="http://schemas.microsoft.com/office/powerpoint/2010/main" val="4017378862"/>
+      </p:ext>
+    </p:extLst>
+  </p:cSld>
+  <p:clrMapOvr>
+    <a:masterClrMapping/>
+  </p:clrMapOvr>
+</p:sld>
+</file>
+
+<file path=ppt/slides/slide41.xml><?xml version="1.0" encoding="utf-8"?>
+<p:sld xmlns:a="http://schemas.openxmlformats.org/drawingml/2006/main" xmlns:r="http://schemas.openxmlformats.org/officeDocument/2006/relationships" xmlns:p="http://schemas.openxmlformats.org/presentationml/2006/main">
+  <p:cSld>
+    <p:spTree>
+      <p:nvGrpSpPr>
+        <p:cNvPr id="1" name=""/>
+        <p:cNvGrpSpPr/>
+        <p:nvPr/>
+      </p:nvGrpSpPr>
+      <p:grpSpPr>
+        <a:xfrm>
+          <a:off x="0" y="0"/>
+          <a:ext cx="0" cy="0"/>
+          <a:chOff x="0" y="0"/>
+          <a:chExt cx="0" cy="0"/>
+        </a:xfrm>
+      </p:grpSpPr>
+      <p:sp>
+        <p:nvSpPr>
+          <p:cNvPr id="2" name="Title 1">
+            <a:extLst>
+              <a:ext uri="{FF2B5EF4-FFF2-40B4-BE49-F238E27FC236}">
+                <a16:creationId xmlns:a16="http://schemas.microsoft.com/office/drawing/2014/main" id="{991FE124-C3A1-F92E-1C31-3625E0F28D56}"/>
+              </a:ext>
+            </a:extLst>
+          </p:cNvPr>
+          <p:cNvSpPr>
+            <a:spLocks noGrp="1"/>
+          </p:cNvSpPr>
+          <p:nvPr>
+            <p:ph type="title"/>
+          </p:nvPr>
+        </p:nvSpPr>
+        <p:spPr/>
+        <p:txBody>
+          <a:bodyPr/>
+          <a:lstStyle/>
+          <a:p>
+            <a:r>
+              <a:rPr lang="en-US" dirty="0"/>
+              <a:t>SIMO In Fading Channel 64QAM</a:t>
+            </a:r>
+            <a:br>
+              <a:rPr lang="en-US" dirty="0"/>
+            </a:br>
+            <a:endParaRPr lang="en-US" dirty="0"/>
+          </a:p>
+        </p:txBody>
+      </p:sp>
+      <p:pic>
+        <p:nvPicPr>
+          <p:cNvPr id="7" name="Content Placeholder 6" descr="Chart, line chart&#10;&#10;Description automatically generated">
+            <a:extLst>
+              <a:ext uri="{FF2B5EF4-FFF2-40B4-BE49-F238E27FC236}">
+                <a16:creationId xmlns:a16="http://schemas.microsoft.com/office/drawing/2014/main" id="{370F2747-366B-AEF5-3882-C11CFD0382F5}"/>
+              </a:ext>
+            </a:extLst>
+          </p:cNvPr>
+          <p:cNvPicPr>
+            <a:picLocks noGrp="1" noChangeAspect="1"/>
+          </p:cNvPicPr>
+          <p:nvPr>
+            <p:ph idx="1"/>
+          </p:nvPr>
+        </p:nvPicPr>
+        <p:blipFill>
+          <a:blip r:embed="rId2">
+            <a:extLst>
+              <a:ext uri="{28A0092B-C50C-407E-A947-70E740481C1C}">
+                <a14:useLocalDpi xmlns:a14="http://schemas.microsoft.com/office/drawing/2010/main" val="0"/>
+              </a:ext>
+            </a:extLst>
+          </a:blip>
+          <a:stretch>
+            <a:fillRect/>
+          </a:stretch>
+        </p:blipFill>
+        <p:spPr>
+          <a:xfrm>
+            <a:off x="1501499" y="1825625"/>
+            <a:ext cx="9189002" cy="4351338"/>
+          </a:xfrm>
+        </p:spPr>
+      </p:pic>
+    </p:spTree>
+    <p:extLst>
+      <p:ext uri="{BB962C8B-B14F-4D97-AF65-F5344CB8AC3E}">
+        <p14:creationId xmlns:p14="http://schemas.microsoft.com/office/powerpoint/2010/main" val="3968855828"/>
+      </p:ext>
+    </p:extLst>
+  </p:cSld>
+  <p:clrMapOvr>
+    <a:masterClrMapping/>
+  </p:clrMapOvr>
+</p:sld>
+</file>
+
+<file path=ppt/slides/slide42.xml><?xml version="1.0" encoding="utf-8"?>
+<p:sld xmlns:a="http://schemas.openxmlformats.org/drawingml/2006/main" xmlns:r="http://schemas.openxmlformats.org/officeDocument/2006/relationships" xmlns:p="http://schemas.openxmlformats.org/presentationml/2006/main">
+  <p:cSld>
+    <p:spTree>
+      <p:nvGrpSpPr>
+        <p:cNvPr id="1" name=""/>
+        <p:cNvGrpSpPr/>
+        <p:nvPr/>
+      </p:nvGrpSpPr>
+      <p:grpSpPr>
+        <a:xfrm>
+          <a:off x="0" y="0"/>
+          <a:ext cx="0" cy="0"/>
+          <a:chOff x="0" y="0"/>
+          <a:chExt cx="0" cy="0"/>
+        </a:xfrm>
+      </p:grpSpPr>
+      <p:sp>
+        <p:nvSpPr>
+          <p:cNvPr id="2" name="Title 1">
+            <a:extLst>
+              <a:ext uri="{FF2B5EF4-FFF2-40B4-BE49-F238E27FC236}">
+                <a16:creationId xmlns:a16="http://schemas.microsoft.com/office/drawing/2014/main" id="{4E065985-9F2B-A73E-7E60-67689F67B300}"/>
+              </a:ext>
+            </a:extLst>
+          </p:cNvPr>
+          <p:cNvSpPr>
+            <a:spLocks noGrp="1"/>
+          </p:cNvSpPr>
+          <p:nvPr>
+            <p:ph type="title"/>
+          </p:nvPr>
+        </p:nvSpPr>
+        <p:spPr/>
+        <p:txBody>
+          <a:bodyPr/>
+          <a:lstStyle/>
+          <a:p>
+            <a:r>
+              <a:rPr lang="en-US" dirty="0"/>
+              <a:t>SIMO In Fading Channel 16QAM</a:t>
+            </a:r>
+            <a:br>
+              <a:rPr lang="en-US" dirty="0"/>
+            </a:br>
+            <a:endParaRPr lang="en-US" dirty="0"/>
+          </a:p>
+        </p:txBody>
+      </p:sp>
+      <p:pic>
+        <p:nvPicPr>
+          <p:cNvPr id="7" name="Content Placeholder 6" descr="Chart, line chart&#10;&#10;Description automatically generated">
+            <a:extLst>
+              <a:ext uri="{FF2B5EF4-FFF2-40B4-BE49-F238E27FC236}">
+                <a16:creationId xmlns:a16="http://schemas.microsoft.com/office/drawing/2014/main" id="{D0D534A5-DA85-D9C8-93CF-165B39689220}"/>
+              </a:ext>
+            </a:extLst>
+          </p:cNvPr>
+          <p:cNvPicPr>
+            <a:picLocks noGrp="1" noChangeAspect="1"/>
+          </p:cNvPicPr>
+          <p:nvPr>
+            <p:ph idx="1"/>
+          </p:nvPr>
+        </p:nvPicPr>
+        <p:blipFill>
+          <a:blip r:embed="rId2">
+            <a:extLst>
+              <a:ext uri="{28A0092B-C50C-407E-A947-70E740481C1C}">
+                <a14:useLocalDpi xmlns:a14="http://schemas.microsoft.com/office/drawing/2010/main" val="0"/>
+              </a:ext>
+            </a:extLst>
+          </a:blip>
+          <a:stretch>
+            <a:fillRect/>
+          </a:stretch>
+        </p:blipFill>
+        <p:spPr>
+          <a:xfrm>
+            <a:off x="1394849" y="1825625"/>
+            <a:ext cx="9402302" cy="4351338"/>
+          </a:xfrm>
+        </p:spPr>
+      </p:pic>
+    </p:spTree>
+    <p:extLst>
+      <p:ext uri="{BB962C8B-B14F-4D97-AF65-F5344CB8AC3E}">
+        <p14:creationId xmlns:p14="http://schemas.microsoft.com/office/powerpoint/2010/main" val="2863433985"/>
+      </p:ext>
+    </p:extLst>
+  </p:cSld>
+  <p:clrMapOvr>
+    <a:masterClrMapping/>
+  </p:clrMapOvr>
+</p:sld>
+</file>
+
+<file path=ppt/slides/slide43.xml><?xml version="1.0" encoding="utf-8"?>
+<p:sld xmlns:a="http://schemas.openxmlformats.org/drawingml/2006/main" xmlns:r="http://schemas.openxmlformats.org/officeDocument/2006/relationships" xmlns:p="http://schemas.openxmlformats.org/presentationml/2006/main">
+  <p:cSld>
+    <p:spTree>
+      <p:nvGrpSpPr>
+        <p:cNvPr id="1" name=""/>
+        <p:cNvGrpSpPr/>
+        <p:nvPr/>
+      </p:nvGrpSpPr>
+      <p:grpSpPr>
+        <a:xfrm>
+          <a:off x="0" y="0"/>
+          <a:ext cx="0" cy="0"/>
+          <a:chOff x="0" y="0"/>
+          <a:chExt cx="0" cy="0"/>
+        </a:xfrm>
+      </p:grpSpPr>
+      <p:sp>
+        <p:nvSpPr>
+          <p:cNvPr id="2" name="Title 1">
+            <a:extLst>
+              <a:ext uri="{FF2B5EF4-FFF2-40B4-BE49-F238E27FC236}">
+                <a16:creationId xmlns:a16="http://schemas.microsoft.com/office/drawing/2014/main" id="{0A1897C0-4732-A1DE-7C78-D044995168E3}"/>
+              </a:ext>
+            </a:extLst>
+          </p:cNvPr>
+          <p:cNvSpPr>
+            <a:spLocks noGrp="1"/>
+          </p:cNvSpPr>
+          <p:nvPr>
+            <p:ph type="title"/>
+          </p:nvPr>
+        </p:nvSpPr>
+        <p:spPr/>
+        <p:txBody>
+          <a:bodyPr/>
+          <a:lstStyle/>
+          <a:p>
+            <a:r>
+              <a:rPr lang="en-US" dirty="0"/>
+              <a:t>SISO In Fading Channel QPSK</a:t>
+            </a:r>
+            <a:br>
+              <a:rPr lang="en-US" dirty="0"/>
+            </a:br>
+            <a:endParaRPr lang="en-US" dirty="0"/>
+          </a:p>
+        </p:txBody>
+      </p:sp>
+      <p:pic>
+        <p:nvPicPr>
+          <p:cNvPr id="5" name="Picture 4" descr="Chart, line chart&#10;&#10;Description automatically generated">
+            <a:extLst>
+              <a:ext uri="{FF2B5EF4-FFF2-40B4-BE49-F238E27FC236}">
+                <a16:creationId xmlns:a16="http://schemas.microsoft.com/office/drawing/2014/main" id="{F8690628-8820-7F53-C843-90D0D1547252}"/>
+              </a:ext>
+            </a:extLst>
+          </p:cNvPr>
+          <p:cNvPicPr>
+            <a:picLocks noChangeAspect="1"/>
+          </p:cNvPicPr>
+          <p:nvPr/>
+        </p:nvPicPr>
+        <p:blipFill>
+          <a:blip r:embed="rId2">
+            <a:extLst>
+              <a:ext uri="{28A0092B-C50C-407E-A947-70E740481C1C}">
+                <a14:useLocalDpi xmlns:a14="http://schemas.microsoft.com/office/drawing/2010/main" val="0"/>
+              </a:ext>
+            </a:extLst>
+          </a:blip>
+          <a:stretch>
+            <a:fillRect/>
+          </a:stretch>
+        </p:blipFill>
+        <p:spPr>
+          <a:xfrm>
+            <a:off x="838200" y="1690688"/>
+            <a:ext cx="10297962" cy="4887007"/>
+          </a:xfrm>
+          <a:prstGeom prst="rect">
+            <a:avLst/>
+          </a:prstGeom>
+        </p:spPr>
+      </p:pic>
+    </p:spTree>
+    <p:extLst>
+      <p:ext uri="{BB962C8B-B14F-4D97-AF65-F5344CB8AC3E}">
+        <p14:creationId xmlns:p14="http://schemas.microsoft.com/office/powerpoint/2010/main" val="3191549439"/>
+      </p:ext>
+    </p:extLst>
+  </p:cSld>
+  <p:clrMapOvr>
+    <a:masterClrMapping/>
+  </p:clrMapOvr>
+</p:sld>
+</file>
+
+<file path=ppt/slides/slide44.xml><?xml version="1.0" encoding="utf-8"?>
+<p:sld xmlns:a="http://schemas.openxmlformats.org/drawingml/2006/main" xmlns:r="http://schemas.openxmlformats.org/officeDocument/2006/relationships" xmlns:p="http://schemas.openxmlformats.org/presentationml/2006/main">
+  <p:cSld>
+    <p:spTree>
+      <p:nvGrpSpPr>
+        <p:cNvPr id="1" name=""/>
+        <p:cNvGrpSpPr/>
+        <p:nvPr/>
+      </p:nvGrpSpPr>
+      <p:grpSpPr>
+        <a:xfrm>
+          <a:off x="0" y="0"/>
+          <a:ext cx="0" cy="0"/>
+          <a:chOff x="0" y="0"/>
+          <a:chExt cx="0" cy="0"/>
+        </a:xfrm>
+      </p:grpSpPr>
+      <p:sp>
+        <p:nvSpPr>
+          <p:cNvPr id="2" name="Title 1">
+            <a:extLst>
+              <a:ext uri="{FF2B5EF4-FFF2-40B4-BE49-F238E27FC236}">
+                <a16:creationId xmlns:a16="http://schemas.microsoft.com/office/drawing/2014/main" id="{4E065985-9F2B-A73E-7E60-67689F67B300}"/>
+              </a:ext>
+            </a:extLst>
+          </p:cNvPr>
+          <p:cNvSpPr>
+            <a:spLocks noGrp="1"/>
+          </p:cNvSpPr>
+          <p:nvPr>
+            <p:ph type="title"/>
+          </p:nvPr>
+        </p:nvSpPr>
+        <p:spPr/>
+        <p:txBody>
+          <a:bodyPr/>
+          <a:lstStyle/>
+          <a:p>
+            <a:r>
+              <a:rPr lang="en-US" dirty="0"/>
+              <a:t>SISO In Fading Channel 16QAM</a:t>
+            </a:r>
+            <a:br>
+              <a:rPr lang="en-US" dirty="0"/>
+            </a:br>
+            <a:endParaRPr lang="en-US" dirty="0"/>
+          </a:p>
+        </p:txBody>
+      </p:sp>
+      <p:pic>
+        <p:nvPicPr>
+          <p:cNvPr id="6" name="Content Placeholder 5" descr="Chart, line chart&#10;&#10;Description automatically generated">
+            <a:extLst>
+              <a:ext uri="{FF2B5EF4-FFF2-40B4-BE49-F238E27FC236}">
+                <a16:creationId xmlns:a16="http://schemas.microsoft.com/office/drawing/2014/main" id="{F239EC4E-1758-64C3-B7AA-C5C193CDF1DC}"/>
+              </a:ext>
+            </a:extLst>
+          </p:cNvPr>
+          <p:cNvPicPr>
+            <a:picLocks noGrp="1" noChangeAspect="1"/>
+          </p:cNvPicPr>
+          <p:nvPr>
+            <p:ph idx="1"/>
+          </p:nvPr>
+        </p:nvPicPr>
+        <p:blipFill>
+          <a:blip r:embed="rId2">
+            <a:extLst>
+              <a:ext uri="{28A0092B-C50C-407E-A947-70E740481C1C}">
+                <a14:useLocalDpi xmlns:a14="http://schemas.microsoft.com/office/drawing/2010/main" val="0"/>
+              </a:ext>
+            </a:extLst>
+          </a:blip>
+          <a:stretch>
+            <a:fillRect/>
+          </a:stretch>
+        </p:blipFill>
+        <p:spPr>
+          <a:xfrm>
+            <a:off x="1424711" y="1825625"/>
+            <a:ext cx="9342578" cy="4351338"/>
+          </a:xfrm>
+        </p:spPr>
+      </p:pic>
+    </p:spTree>
+    <p:extLst>
+      <p:ext uri="{BB962C8B-B14F-4D97-AF65-F5344CB8AC3E}">
+        <p14:creationId xmlns:p14="http://schemas.microsoft.com/office/powerpoint/2010/main" val="1724400045"/>
+      </p:ext>
+    </p:extLst>
+  </p:cSld>
+  <p:clrMapOvr>
+    <a:masterClrMapping/>
+  </p:clrMapOvr>
+</p:sld>
+</file>
+
+<file path=ppt/slides/slide45.xml><?xml version="1.0" encoding="utf-8"?>
+<p:sld xmlns:a="http://schemas.openxmlformats.org/drawingml/2006/main" xmlns:r="http://schemas.openxmlformats.org/officeDocument/2006/relationships" xmlns:p="http://schemas.openxmlformats.org/presentationml/2006/main">
+  <p:cSld>
+    <p:spTree>
+      <p:nvGrpSpPr>
+        <p:cNvPr id="1" name=""/>
+        <p:cNvGrpSpPr/>
+        <p:nvPr/>
+      </p:nvGrpSpPr>
+      <p:grpSpPr>
+        <a:xfrm>
+          <a:off x="0" y="0"/>
+          <a:ext cx="0" cy="0"/>
+          <a:chOff x="0" y="0"/>
+          <a:chExt cx="0" cy="0"/>
+        </a:xfrm>
+      </p:grpSpPr>
+      <p:sp>
+        <p:nvSpPr>
+          <p:cNvPr id="2" name="Title 1">
+            <a:extLst>
+              <a:ext uri="{FF2B5EF4-FFF2-40B4-BE49-F238E27FC236}">
+                <a16:creationId xmlns:a16="http://schemas.microsoft.com/office/drawing/2014/main" id="{991FE124-C3A1-F92E-1C31-3625E0F28D56}"/>
+              </a:ext>
+            </a:extLst>
+          </p:cNvPr>
+          <p:cNvSpPr>
+            <a:spLocks noGrp="1"/>
+          </p:cNvSpPr>
+          <p:nvPr>
+            <p:ph type="title"/>
+          </p:nvPr>
+        </p:nvSpPr>
+        <p:spPr/>
+        <p:txBody>
+          <a:bodyPr/>
+          <a:lstStyle/>
+          <a:p>
+            <a:r>
+              <a:rPr lang="en-US" dirty="0"/>
+              <a:t>SISO In Fading Channel 64QAM</a:t>
+            </a:r>
+            <a:br>
+              <a:rPr lang="en-US" dirty="0"/>
+            </a:br>
+            <a:endParaRPr lang="en-US" dirty="0"/>
+          </a:p>
+        </p:txBody>
+      </p:sp>
+      <p:pic>
+        <p:nvPicPr>
+          <p:cNvPr id="6" name="Content Placeholder 5" descr="Chart, line chart&#10;&#10;Description automatically generated">
+            <a:extLst>
+              <a:ext uri="{FF2B5EF4-FFF2-40B4-BE49-F238E27FC236}">
+                <a16:creationId xmlns:a16="http://schemas.microsoft.com/office/drawing/2014/main" id="{8D7FCEE7-A0F6-4AFC-107F-4272A6426288}"/>
+              </a:ext>
+            </a:extLst>
+          </p:cNvPr>
+          <p:cNvPicPr>
+            <a:picLocks noGrp="1" noChangeAspect="1"/>
+          </p:cNvPicPr>
+          <p:nvPr>
+            <p:ph idx="1"/>
+          </p:nvPr>
+        </p:nvPicPr>
+        <p:blipFill>
+          <a:blip r:embed="rId2">
+            <a:extLst>
+              <a:ext uri="{28A0092B-C50C-407E-A947-70E740481C1C}">
+                <a14:useLocalDpi xmlns:a14="http://schemas.microsoft.com/office/drawing/2010/main" val="0"/>
+              </a:ext>
+            </a:extLst>
+          </a:blip>
+          <a:stretch>
+            <a:fillRect/>
+          </a:stretch>
+        </p:blipFill>
+        <p:spPr>
+          <a:xfrm>
+            <a:off x="834367" y="1825625"/>
+            <a:ext cx="9856134" cy="4667250"/>
+          </a:xfrm>
+        </p:spPr>
+      </p:pic>
+    </p:spTree>
+    <p:extLst>
+      <p:ext uri="{BB962C8B-B14F-4D97-AF65-F5344CB8AC3E}">
+        <p14:creationId xmlns:p14="http://schemas.microsoft.com/office/powerpoint/2010/main" val="3378345870"/>
       </p:ext>
     </p:extLst>
   </p:cSld>
